--- a/Slides/Session 2 iPRES_Jan_Hutar_workshop.pptx
+++ b/Slides/Session 2 iPRES_Jan_Hutar_workshop.pptx
@@ -43,7 +43,7 @@
     <p:sldId id="332" r:id="rId31"/>
   </p:sldIdLst>
   <p:sldSz cx="9144000" cy="6858000" type="screen4x3"/>
-  <p:notesSz cx="6669088" cy="9753600"/>
+  <p:notesSz cx="7099300" cy="10234613"/>
   <p:defaultTextStyle>
     <a:defPPr>
       <a:defRPr lang="en-GB"/>
@@ -8725,9 +8725,10 @@
       </dgm:prSet>
       <dgm:spPr>
         <a:solidFill>
-          <a:srgbClr val="9933FF">
+          <a:schemeClr val="accent5">
+            <a:lumMod val="75000"/>
             <a:alpha val="20000"/>
-          </a:srgbClr>
+          </a:schemeClr>
         </a:solidFill>
       </dgm:spPr>
       <dgm:t>
@@ -12912,9 +12913,10 @@
           </a:avLst>
         </a:prstGeom>
         <a:solidFill>
-          <a:srgbClr val="9933FF">
+          <a:schemeClr val="accent5">
+            <a:lumMod val="75000"/>
             <a:alpha val="20000"/>
-          </a:srgbClr>
+          </a:schemeClr>
         </a:solidFill>
         <a:ln w="25400" cap="flat" cmpd="sng" algn="ctr">
           <a:solidFill>
@@ -22400,17 +22402,17 @@
         <p:spPr>
           <a:xfrm>
             <a:off x="1" y="2"/>
-            <a:ext cx="2889938" cy="487681"/>
+            <a:ext cx="3076363" cy="511732"/>
           </a:xfrm>
           <a:prstGeom prst="rect">
             <a:avLst/>
           </a:prstGeom>
         </p:spPr>
         <p:txBody>
-          <a:bodyPr vert="horz" lIns="91010" tIns="45505" rIns="91010" bIns="45505" rtlCol="0"/>
+          <a:bodyPr vert="horz" lIns="96052" tIns="48026" rIns="96052" bIns="48026" rtlCol="0"/>
           <a:lstStyle>
             <a:lvl1pPr algn="l">
-              <a:defRPr sz="1200"/>
+              <a:defRPr sz="1300"/>
             </a:lvl1pPr>
           </a:lstStyle>
           <a:p>
@@ -22430,18 +22432,18 @@
         </p:nvSpPr>
         <p:spPr>
           <a:xfrm>
-            <a:off x="3777607" y="2"/>
-            <a:ext cx="2889938" cy="487681"/>
+            <a:off x="4021294" y="2"/>
+            <a:ext cx="3076363" cy="511732"/>
           </a:xfrm>
           <a:prstGeom prst="rect">
             <a:avLst/>
           </a:prstGeom>
         </p:spPr>
         <p:txBody>
-          <a:bodyPr vert="horz" lIns="91010" tIns="45505" rIns="91010" bIns="45505" rtlCol="0"/>
+          <a:bodyPr vert="horz" lIns="96052" tIns="48026" rIns="96052" bIns="48026" rtlCol="0"/>
           <a:lstStyle>
             <a:lvl1pPr algn="r">
-              <a:defRPr sz="1200"/>
+              <a:defRPr sz="1300"/>
             </a:lvl1pPr>
           </a:lstStyle>
           <a:p>
@@ -22465,18 +22467,18 @@
         </p:nvSpPr>
         <p:spPr>
           <a:xfrm>
-            <a:off x="1" y="9264228"/>
-            <a:ext cx="2889938" cy="487681"/>
+            <a:off x="1" y="9721107"/>
+            <a:ext cx="3076363" cy="511732"/>
           </a:xfrm>
           <a:prstGeom prst="rect">
             <a:avLst/>
           </a:prstGeom>
         </p:spPr>
         <p:txBody>
-          <a:bodyPr vert="horz" lIns="91010" tIns="45505" rIns="91010" bIns="45505" rtlCol="0" anchor="b"/>
+          <a:bodyPr vert="horz" lIns="96052" tIns="48026" rIns="96052" bIns="48026" rtlCol="0" anchor="b"/>
           <a:lstStyle>
             <a:lvl1pPr algn="l">
-              <a:defRPr sz="1200"/>
+              <a:defRPr sz="1300"/>
             </a:lvl1pPr>
           </a:lstStyle>
           <a:p>
@@ -22496,18 +22498,18 @@
         </p:nvSpPr>
         <p:spPr>
           <a:xfrm>
-            <a:off x="3777607" y="9264228"/>
-            <a:ext cx="2889938" cy="487681"/>
+            <a:off x="4021294" y="9721107"/>
+            <a:ext cx="3076363" cy="511732"/>
           </a:xfrm>
           <a:prstGeom prst="rect">
             <a:avLst/>
           </a:prstGeom>
         </p:spPr>
         <p:txBody>
-          <a:bodyPr vert="horz" lIns="91010" tIns="45505" rIns="91010" bIns="45505" rtlCol="0" anchor="b"/>
+          <a:bodyPr vert="horz" lIns="96052" tIns="48026" rIns="96052" bIns="48026" rtlCol="0" anchor="b"/>
           <a:lstStyle>
             <a:lvl1pPr algn="r">
-              <a:defRPr sz="1200"/>
+              <a:defRPr sz="1300"/>
             </a:lvl1pPr>
           </a:lstStyle>
           <a:p>
@@ -22565,17 +22567,17 @@
         <p:spPr>
           <a:xfrm>
             <a:off x="1" y="2"/>
-            <a:ext cx="2889938" cy="487681"/>
+            <a:ext cx="3076363" cy="511732"/>
           </a:xfrm>
           <a:prstGeom prst="rect">
             <a:avLst/>
           </a:prstGeom>
         </p:spPr>
         <p:txBody>
-          <a:bodyPr vert="horz" lIns="91010" tIns="45505" rIns="91010" bIns="45505" rtlCol="0"/>
+          <a:bodyPr vert="horz" lIns="96052" tIns="48026" rIns="96052" bIns="48026" rtlCol="0"/>
           <a:lstStyle>
             <a:lvl1pPr algn="l">
-              <a:defRPr sz="1200"/>
+              <a:defRPr sz="1300"/>
             </a:lvl1pPr>
           </a:lstStyle>
           <a:p>
@@ -22598,18 +22600,18 @@
         </p:nvSpPr>
         <p:spPr>
           <a:xfrm>
-            <a:off x="3777607" y="2"/>
-            <a:ext cx="2889938" cy="487681"/>
+            <a:off x="4021294" y="2"/>
+            <a:ext cx="3076363" cy="511732"/>
           </a:xfrm>
           <a:prstGeom prst="rect">
             <a:avLst/>
           </a:prstGeom>
         </p:spPr>
         <p:txBody>
-          <a:bodyPr vert="horz" lIns="91010" tIns="45505" rIns="91010" bIns="45505" rtlCol="0"/>
+          <a:bodyPr vert="horz" lIns="96052" tIns="48026" rIns="96052" bIns="48026" rtlCol="0"/>
           <a:lstStyle>
             <a:lvl1pPr algn="r">
-              <a:defRPr sz="1200" smtClean="0"/>
+              <a:defRPr sz="1300" smtClean="0"/>
             </a:lvl1pPr>
           </a:lstStyle>
           <a:p>
@@ -22639,8 +22641,8 @@
         </p:nvSpPr>
         <p:spPr>
           <a:xfrm>
-            <a:off x="898525" y="731838"/>
-            <a:ext cx="4872038" cy="3656012"/>
+            <a:off x="992188" y="768350"/>
+            <a:ext cx="5114925" cy="3835400"/>
           </a:xfrm>
           <a:prstGeom prst="rect">
             <a:avLst/>
@@ -22653,7 +22655,7 @@
           </a:ln>
         </p:spPr>
         <p:txBody>
-          <a:bodyPr vert="horz" lIns="91010" tIns="45505" rIns="91010" bIns="45505" rtlCol="0" anchor="ctr"/>
+          <a:bodyPr vert="horz" lIns="96052" tIns="48026" rIns="96052" bIns="48026" rtlCol="0" anchor="ctr"/>
           <a:lstStyle/>
           <a:p>
             <a:pPr lvl="0"/>
@@ -22673,15 +22675,15 @@
         </p:nvSpPr>
         <p:spPr>
           <a:xfrm>
-            <a:off x="666909" y="4632961"/>
-            <a:ext cx="5335270" cy="4389121"/>
+            <a:off x="709930" y="4861443"/>
+            <a:ext cx="5679440" cy="4605577"/>
           </a:xfrm>
           <a:prstGeom prst="rect">
             <a:avLst/>
           </a:prstGeom>
         </p:spPr>
         <p:txBody>
-          <a:bodyPr vert="horz" lIns="91010" tIns="45505" rIns="91010" bIns="45505" rtlCol="0">
+          <a:bodyPr vert="horz" lIns="96052" tIns="48026" rIns="96052" bIns="48026" rtlCol="0">
             <a:normAutofit/>
           </a:bodyPr>
           <a:lstStyle/>
@@ -22735,18 +22737,18 @@
         </p:nvSpPr>
         <p:spPr>
           <a:xfrm>
-            <a:off x="1" y="9264228"/>
-            <a:ext cx="2889938" cy="487681"/>
+            <a:off x="1" y="9721107"/>
+            <a:ext cx="3076363" cy="511732"/>
           </a:xfrm>
           <a:prstGeom prst="rect">
             <a:avLst/>
           </a:prstGeom>
         </p:spPr>
         <p:txBody>
-          <a:bodyPr vert="horz" lIns="91010" tIns="45505" rIns="91010" bIns="45505" rtlCol="0" anchor="b"/>
+          <a:bodyPr vert="horz" lIns="96052" tIns="48026" rIns="96052" bIns="48026" rtlCol="0" anchor="b"/>
           <a:lstStyle>
             <a:lvl1pPr algn="l">
-              <a:defRPr sz="1200"/>
+              <a:defRPr sz="1300"/>
             </a:lvl1pPr>
           </a:lstStyle>
           <a:p>
@@ -22769,18 +22771,18 @@
         </p:nvSpPr>
         <p:spPr>
           <a:xfrm>
-            <a:off x="3777607" y="9264228"/>
-            <a:ext cx="2889938" cy="487681"/>
+            <a:off x="4021294" y="9721107"/>
+            <a:ext cx="3076363" cy="511732"/>
           </a:xfrm>
           <a:prstGeom prst="rect">
             <a:avLst/>
           </a:prstGeom>
         </p:spPr>
         <p:txBody>
-          <a:bodyPr vert="horz" lIns="91010" tIns="45505" rIns="91010" bIns="45505" rtlCol="0" anchor="b"/>
+          <a:bodyPr vert="horz" lIns="96052" tIns="48026" rIns="96052" bIns="48026" rtlCol="0" anchor="b"/>
           <a:lstStyle>
             <a:lvl1pPr algn="r">
-              <a:defRPr sz="1200" smtClean="0"/>
+              <a:defRPr sz="1300" smtClean="0"/>
             </a:lvl1pPr>
           </a:lstStyle>
           <a:p>
@@ -25189,7 +25191,7 @@
           </a:bodyPr>
           <a:lstStyle/>
           <a:p>
-            <a:pPr defTabSz="910102">
+            <a:pPr defTabSz="960522">
               <a:spcBef>
                 <a:spcPct val="0"/>
               </a:spcBef>
@@ -26144,7 +26146,7 @@
           </a:bodyPr>
           <a:lstStyle/>
           <a:p>
-            <a:pPr defTabSz="910102">
+            <a:pPr defTabSz="960522">
               <a:spcBef>
                 <a:spcPct val="0"/>
               </a:spcBef>
@@ -28531,7 +28533,12 @@
             <p:ph type="ctrTitle"/>
           </p:nvPr>
         </p:nvSpPr>
-        <p:spPr/>
+        <p:spPr>
+          <a:xfrm>
+            <a:off x="685800" y="1556792"/>
+            <a:ext cx="6406480" cy="1470025"/>
+          </a:xfrm>
+        </p:spPr>
         <p:txBody>
           <a:bodyPr/>
           <a:lstStyle/>
@@ -28554,27 +28561,62 @@
             <p:ph type="subTitle" idx="1"/>
           </p:nvPr>
         </p:nvSpPr>
-        <p:spPr/>
+        <p:spPr>
+          <a:xfrm>
+            <a:off x="684213" y="3140968"/>
+            <a:ext cx="5688012" cy="1752600"/>
+          </a:xfrm>
+        </p:spPr>
         <p:txBody>
           <a:bodyPr/>
           <a:lstStyle/>
           <a:p>
             <a:r>
               <a:rPr lang="cs-CZ" sz="1800" dirty="0" smtClean="0"/>
-              <a:t>Jan Hutař</a:t>
-            </a:r>
+              <a:t>Jan </a:t>
+            </a:r>
+            <a:r>
+              <a:rPr lang="cs-CZ" sz="1800" dirty="0" smtClean="0"/>
+              <a:t>Hutař</a:t>
+            </a:r>
+            <a:endParaRPr lang="en-NZ" sz="1800" dirty="0" smtClean="0"/>
           </a:p>
           <a:p>
             <a:r>
               <a:rPr lang="cs-CZ" sz="1800" dirty="0" smtClean="0"/>
-              <a:t>Digital Preservation Analyst</a:t>
+              <a:t>Digital </a:t>
+            </a:r>
+            <a:r>
+              <a:rPr lang="cs-CZ" sz="1800" dirty="0" smtClean="0"/>
+              <a:t>Preservation Analyst</a:t>
             </a:r>
           </a:p>
           <a:p>
             <a:r>
               <a:rPr lang="cs-CZ" sz="1800" dirty="0" smtClean="0"/>
-              <a:t>Archives New Zealand</a:t>
-            </a:r>
+              <a:t>Archives New </a:t>
+            </a:r>
+            <a:r>
+              <a:rPr lang="cs-CZ" sz="1800" dirty="0" smtClean="0"/>
+              <a:t>Zealand</a:t>
+            </a:r>
+            <a:endParaRPr lang="en-NZ" sz="1800" dirty="0" smtClean="0"/>
+          </a:p>
+          <a:p>
+            <a:r>
+              <a:rPr lang="en-NZ" sz="1800" dirty="0">
+                <a:hlinkClick r:id="rId3"/>
+              </a:rPr>
+              <a:t>jan.hutar@dia.govt.nz</a:t>
+            </a:r>
+            <a:r>
+              <a:rPr lang="en-NZ" sz="1800" dirty="0"/>
+              <a:t> </a:t>
+            </a:r>
+            <a:endParaRPr lang="cs-CZ" sz="1800" dirty="0"/>
+          </a:p>
+          <a:p>
+            <a:endParaRPr lang="cs-CZ" sz="1800" dirty="0" smtClean="0"/>
           </a:p>
           <a:p>
             <a:endParaRPr lang="cs-CZ" sz="1800" dirty="0"/>
@@ -28597,7 +28639,7 @@
           <p:nvPr/>
         </p:nvPicPr>
         <p:blipFill>
-          <a:blip r:embed="rId3" cstate="print"/>
+          <a:blip r:embed="rId4" cstate="print"/>
           <a:srcRect/>
           <a:stretch>
             <a:fillRect/>
@@ -30914,7 +30956,7 @@
           <p:nvPr>
             <p:extLst>
               <p:ext uri="{D42A27DB-BD31-4B8C-83A1-F6EECF244321}">
-                <p14:modId xmlns:p14="http://schemas.microsoft.com/office/powerpoint/2010/main" val="1550104666"/>
+                <p14:modId xmlns:p14="http://schemas.microsoft.com/office/powerpoint/2010/main" val="2267685548"/>
               </p:ext>
             </p:extLst>
           </p:nvPr>
@@ -31956,9 +31998,10 @@
           </a:p>
           <a:p>
             <a:r>
-              <a:rPr lang="cs-CZ" dirty="0" smtClean="0"/>
-              <a:t>Where are we at</a:t>
-            </a:r>
+              <a:rPr lang="en-NZ" smtClean="0"/>
+              <a:t>Ongoing challenges</a:t>
+            </a:r>
+            <a:endParaRPr lang="cs-CZ" dirty="0" smtClean="0"/>
           </a:p>
           <a:p>
             <a:pPr marL="0" indent="0">
@@ -34475,7 +34518,7 @@
         </p:nvSpPr>
         <p:spPr>
           <a:xfrm>
-            <a:off x="6148611" y="4725144"/>
+            <a:off x="6148611" y="3789040"/>
             <a:ext cx="1807765" cy="369332"/>
           </a:xfrm>
           <a:prstGeom prst="rect">
@@ -34506,13 +34549,14 @@
           <p:cNvPr id="8" name="Straight Arrow Connector 7"/>
           <p:cNvCxnSpPr>
             <a:stCxn id="7" idx="1"/>
+            <a:endCxn id="5122" idx="3"/>
           </p:cNvCxnSpPr>
           <p:nvPr/>
         </p:nvCxnSpPr>
         <p:spPr>
           <a:xfrm flipH="1">
-            <a:off x="4932041" y="4909810"/>
-            <a:ext cx="1216570" cy="80380"/>
+            <a:off x="5282233" y="3973706"/>
+            <a:ext cx="866378" cy="64894"/>
           </a:xfrm>
           <a:prstGeom prst="straightConnector1">
             <a:avLst/>
@@ -35756,7 +35800,7 @@
         </p:nvSpPr>
         <p:spPr>
           <a:xfrm>
-            <a:off x="6076603" y="3779748"/>
+            <a:off x="6076603" y="4725144"/>
             <a:ext cx="1807765" cy="369332"/>
           </a:xfrm>
           <a:prstGeom prst="rect">
@@ -35774,7 +35818,13 @@
               <a:rPr lang="cs-CZ" dirty="0" smtClean="0">
                 <a:latin typeface="+mn-lt"/>
               </a:rPr>
-              <a:t>Implementation2</a:t>
+              <a:t>Implementation</a:t>
+            </a:r>
+            <a:r>
+              <a:rPr lang="en-NZ" dirty="0" smtClean="0">
+                <a:latin typeface="+mn-lt"/>
+              </a:rPr>
+              <a:t>1</a:t>
             </a:r>
             <a:endParaRPr lang="en-NZ" dirty="0">
               <a:latin typeface="+mn-lt"/>
@@ -35792,8 +35842,8 @@
         </p:nvCxnSpPr>
         <p:spPr>
           <a:xfrm flipH="1">
-            <a:off x="5282233" y="3964414"/>
-            <a:ext cx="794370" cy="184666"/>
+            <a:off x="4211960" y="4909810"/>
+            <a:ext cx="1864643" cy="0"/>
           </a:xfrm>
           <a:prstGeom prst="straightConnector1">
             <a:avLst/>
@@ -35898,19 +35948,7 @@
             </a:r>
             <a:r>
               <a:rPr lang="cs-CZ" dirty="0" smtClean="0"/>
-              <a:t>spects can </a:t>
-            </a:r>
-            <a:r>
-              <a:rPr lang="cs-CZ" dirty="0" smtClean="0"/>
-              <a:t>provide </a:t>
-            </a:r>
-            <a:r>
-              <a:rPr lang="cs-CZ" dirty="0" smtClean="0"/>
-              <a:t>required </a:t>
-            </a:r>
-            <a:r>
-              <a:rPr lang="cs-CZ" dirty="0" smtClean="0"/>
-              <a:t>level</a:t>
+              <a:t>spects can provide required level</a:t>
             </a:r>
             <a:r>
               <a:rPr lang="en-NZ" dirty="0" smtClean="0"/>
@@ -35918,21 +35956,13 @@
             </a:r>
             <a:r>
               <a:rPr lang="cs-CZ" dirty="0" smtClean="0"/>
-              <a:t> </a:t>
-            </a:r>
-            <a:r>
-              <a:rPr lang="cs-CZ" dirty="0" smtClean="0"/>
-              <a:t>of granularity</a:t>
+              <a:t> of granularity</a:t>
             </a:r>
           </a:p>
           <a:p>
             <a:r>
               <a:rPr lang="cs-CZ" dirty="0" smtClean="0"/>
-              <a:t>our format model enables to understand, describe </a:t>
-            </a:r>
-            <a:r>
-              <a:rPr lang="cs-CZ" dirty="0" smtClean="0"/>
-              <a:t>an</a:t>
+              <a:t>our format model enables to understand, describe an</a:t>
             </a:r>
             <a:r>
               <a:rPr lang="en-NZ" dirty="0" smtClean="0"/>
@@ -35940,11 +35970,7 @@
             </a:r>
             <a:r>
               <a:rPr lang="cs-CZ" dirty="0" smtClean="0"/>
-              <a:t> </a:t>
-            </a:r>
-            <a:r>
-              <a:rPr lang="cs-CZ" dirty="0" smtClean="0"/>
-              <a:t>reference </a:t>
+              <a:t> reference </a:t>
             </a:r>
             <a:r>
               <a:rPr lang="en-NZ" dirty="0" smtClean="0"/>
@@ -36428,7 +36454,15 @@
             </a:r>
             <a:r>
               <a:rPr lang="cs-CZ" dirty="0"/>
-              <a:t>DPTR living platform for the DP community &gt; knowledge base on top of a </a:t>
+              <a:t>DPTR living platform for the DP community &gt; knowledge base on top of </a:t>
+            </a:r>
+            <a:r>
+              <a:rPr lang="en-NZ" dirty="0" smtClean="0"/>
+              <a:t>the</a:t>
+            </a:r>
+            <a:r>
+              <a:rPr lang="cs-CZ" dirty="0" smtClean="0"/>
+              <a:t> </a:t>
             </a:r>
             <a:r>
               <a:rPr lang="cs-CZ" dirty="0" smtClean="0"/>
@@ -36579,8 +36613,21 @@
             </a:r>
             <a:r>
               <a:rPr lang="cs-CZ" dirty="0" smtClean="0"/>
-              <a:t>spect typing – when do we know enough to freeze the status quo?</a:t>
-            </a:r>
+              <a:t>spect typing – when do we know enough to freeze the status </a:t>
+            </a:r>
+            <a:r>
+              <a:rPr lang="cs-CZ" dirty="0" smtClean="0"/>
+              <a:t>quo</a:t>
+            </a:r>
+            <a:r>
+              <a:rPr lang="en-NZ" dirty="0" smtClean="0"/>
+              <a:t> of Aspect types</a:t>
+            </a:r>
+            <a:r>
+              <a:rPr lang="cs-CZ" dirty="0" smtClean="0"/>
+              <a:t>?</a:t>
+            </a:r>
+            <a:endParaRPr lang="cs-CZ" dirty="0" smtClean="0"/>
           </a:p>
           <a:p>
             <a:r>
@@ -36698,7 +36745,7 @@
           <a:p>
             <a:r>
               <a:rPr lang="en-GB" sz="2400" dirty="0" smtClean="0"/>
-              <a:t>“ </a:t>
+              <a:t>“</a:t>
             </a:r>
             <a:r>
               <a:rPr lang="en-NZ" sz="2400" dirty="0" smtClean="0"/>
@@ -36839,7 +36886,7 @@
           </a:p>
           <a:p>
             <a:r>
-              <a:rPr lang="cs-CZ" sz="2200" dirty="0" smtClean="0"/>
+              <a:rPr lang="cs-CZ" sz="2400" dirty="0"/>
               <a:t>DPTR aims to accomodate and support different views</a:t>
             </a:r>
           </a:p>
@@ -37114,7 +37161,7 @@
           </a:bodyPr>
           <a:lstStyle/>
           <a:p>
-            <a:pPr marL="0" indent="0" algn="ctr">
+            <a:pPr marL="0" indent="0">
               <a:buNone/>
             </a:pPr>
             <a:r>
@@ -37125,7 +37172,27 @@
                 <a:latin typeface="+mn-lt"/>
                 <a:cs typeface="+mn-cs"/>
               </a:rPr>
-              <a:t>Thank you for your attention – time for work </a:t>
+              <a:t>Thank you for your </a:t>
+            </a:r>
+            <a:r>
+              <a:rPr lang="cs-CZ" sz="3200" dirty="0" smtClean="0">
+                <a:solidFill>
+                  <a:srgbClr val="002060"/>
+                </a:solidFill>
+                <a:latin typeface="+mn-lt"/>
+                <a:cs typeface="+mn-cs"/>
+              </a:rPr>
+              <a:t>attention</a:t>
+            </a:r>
+            <a:r>
+              <a:rPr lang="en-NZ" sz="3200" dirty="0" smtClean="0">
+                <a:solidFill>
+                  <a:srgbClr val="002060"/>
+                </a:solidFill>
+                <a:latin typeface="+mn-lt"/>
+                <a:cs typeface="+mn-cs"/>
+              </a:rPr>
+              <a:t>   </a:t>
             </a:r>
           </a:p>
         </p:txBody>
@@ -37210,7 +37277,15 @@
           <a:p>
             <a:r>
               <a:rPr lang="en-GB" dirty="0"/>
-              <a:t>Format is an abstract entity in the </a:t>
+              <a:t>f</a:t>
+            </a:r>
+            <a:r>
+              <a:rPr lang="en-GB" dirty="0" smtClean="0"/>
+              <a:t>ormat </a:t>
+            </a:r>
+            <a:r>
+              <a:rPr lang="en-GB" dirty="0"/>
+              <a:t>is an abstract entity in the </a:t>
             </a:r>
             <a:r>
               <a:rPr lang="cs-CZ" dirty="0"/>
@@ -37467,8 +37542,49 @@
             <a:pPr lvl="1"/>
             <a:r>
               <a:rPr lang="cs-CZ" dirty="0" smtClean="0"/>
-              <a:t>pile of TIFFs v6 – fmt/353, but they are not all the same</a:t>
-            </a:r>
+              <a:t>pile</a:t>
+            </a:r>
+            <a:r>
+              <a:rPr lang="en-NZ" dirty="0" smtClean="0"/>
+              <a:t>s</a:t>
+            </a:r>
+            <a:r>
+              <a:rPr lang="cs-CZ" dirty="0" smtClean="0"/>
+              <a:t> </a:t>
+            </a:r>
+            <a:r>
+              <a:rPr lang="cs-CZ" dirty="0" smtClean="0"/>
+              <a:t>of </a:t>
+            </a:r>
+            <a:r>
+              <a:rPr lang="en-NZ" dirty="0" smtClean="0"/>
+              <a:t>v4, v5, v6 </a:t>
+            </a:r>
+            <a:r>
+              <a:rPr lang="cs-CZ" dirty="0" smtClean="0"/>
+              <a:t>TIFFs</a:t>
+            </a:r>
+            <a:r>
+              <a:rPr lang="en-NZ" dirty="0" smtClean="0"/>
+              <a:t> rather than</a:t>
+            </a:r>
+            <a:r>
+              <a:rPr lang="cs-CZ" dirty="0" smtClean="0"/>
+              <a:t> </a:t>
+            </a:r>
+            <a:r>
+              <a:rPr lang="en-NZ" dirty="0" smtClean="0"/>
+              <a:t>1 </a:t>
+            </a:r>
+            <a:r>
+              <a:rPr lang="cs-CZ" dirty="0" smtClean="0"/>
+              <a:t>fmt/353</a:t>
+            </a:r>
+            <a:r>
+              <a:rPr lang="en-NZ" dirty="0" smtClean="0"/>
+              <a:t> pile</a:t>
+            </a:r>
+            <a:endParaRPr lang="cs-CZ" dirty="0" smtClean="0"/>
           </a:p>
           <a:p>
             <a:endParaRPr lang="en-NZ" dirty="0"/>
@@ -37563,13 +37679,38 @@
           <a:p>
             <a:r>
               <a:rPr lang="cs-CZ" dirty="0" smtClean="0"/>
-              <a:t>not to ingest problematic (not valid) files if possible</a:t>
-            </a:r>
+              <a:t>not to ingest problematic (not valid) files </a:t>
+            </a:r>
+            <a:r>
+              <a:rPr lang="en-NZ" dirty="0" smtClean="0"/>
+              <a:t>- </a:t>
+            </a:r>
+            <a:r>
+              <a:rPr lang="cs-CZ" dirty="0" smtClean="0"/>
+              <a:t>if possible</a:t>
+            </a:r>
+            <a:r>
+              <a:rPr lang="en-NZ" dirty="0" smtClean="0"/>
+              <a:t> </a:t>
+            </a:r>
+            <a:endParaRPr lang="cs-CZ" dirty="0" smtClean="0"/>
           </a:p>
           <a:p>
             <a:r>
               <a:rPr lang="cs-CZ" dirty="0" smtClean="0"/>
-              <a:t>problem with tools (false alerts)</a:t>
+              <a:t>problem</a:t>
+            </a:r>
+            <a:r>
+              <a:rPr lang="en-NZ" dirty="0" smtClean="0"/>
+              <a:t>s</a:t>
+            </a:r>
+            <a:r>
+              <a:rPr lang="cs-CZ" dirty="0" smtClean="0"/>
+              <a:t> </a:t>
+            </a:r>
+            <a:r>
+              <a:rPr lang="cs-CZ" dirty="0" smtClean="0"/>
+              <a:t>with tools (false alerts)</a:t>
             </a:r>
           </a:p>
           <a:p>
@@ -37588,22 +37729,25 @@
             </a:r>
             <a:r>
               <a:rPr lang="cs-CZ" sz="2000" dirty="0" smtClean="0"/>
-              <a:t>„I see 7 instead of 1“</a:t>
-            </a:r>
+              <a:t>„I see 7 instead of 1</a:t>
+            </a:r>
+            <a:r>
+              <a:rPr lang="cs-CZ" sz="2000" dirty="0" smtClean="0"/>
+              <a:t>“</a:t>
+            </a:r>
+            <a:endParaRPr lang="en-NZ" sz="2000" dirty="0" smtClean="0"/>
           </a:p>
           <a:p>
-            <a:r>
-              <a:rPr lang="cs-CZ" dirty="0" smtClean="0"/>
-              <a:t>not </a:t>
-            </a:r>
-            <a:r>
-              <a:rPr lang="cs-CZ" dirty="0"/>
-              <a:t>to ignore issues with files (tag 305 out of sequence</a:t>
-            </a:r>
-            <a:r>
-              <a:rPr lang="cs-CZ" dirty="0" smtClean="0"/>
-              <a:t>)</a:t>
-            </a:r>
+            <a:pPr lvl="1"/>
+            <a:r>
+              <a:rPr lang="en-NZ" sz="2000" dirty="0" err="1" smtClean="0"/>
+              <a:t>wbk</a:t>
+            </a:r>
+            <a:r>
+              <a:rPr lang="en-NZ" sz="2000" dirty="0" smtClean="0"/>
+              <a:t> DROID extension mismatch</a:t>
+            </a:r>
+            <a:endParaRPr lang="cs-CZ" sz="2000" dirty="0" smtClean="0"/>
           </a:p>
           <a:p>
             <a:pPr marL="342900" lvl="1" indent="-342900">
@@ -37611,8 +37755,12 @@
               <a:buChar char="•"/>
             </a:pPr>
             <a:r>
+              <a:rPr lang="cs-CZ" sz="2600" dirty="0" smtClean="0"/>
+              <a:t>lack </a:t>
+            </a:r>
+            <a:r>
               <a:rPr lang="cs-CZ" sz="2600" dirty="0"/>
-              <a:t>lack of tools – extractors, validators</a:t>
+              <a:t>of tools – extractors, validators</a:t>
             </a:r>
           </a:p>
           <a:p>
@@ -37975,114 +38123,114 @@
           <a:p>
             <a:pPr lvl="0"/>
             <a:r>
-              <a:rPr lang="cs-CZ" sz="2400" dirty="0"/>
+              <a:rPr lang="cs-CZ" dirty="0"/>
               <a:t>b</a:t>
             </a:r>
             <a:r>
-              <a:rPr lang="en-GB" sz="2400" dirty="0" smtClean="0"/>
+              <a:rPr lang="en-GB" dirty="0" smtClean="0"/>
               <a:t>e </a:t>
             </a:r>
             <a:r>
-              <a:rPr lang="en-GB" sz="2400" dirty="0"/>
+              <a:rPr lang="en-GB" dirty="0"/>
               <a:t>able to view diverse sources of format information in one place and in a homogeneous form; </a:t>
             </a:r>
-            <a:endParaRPr lang="en-NZ" sz="2400" dirty="0"/>
+            <a:endParaRPr lang="en-NZ" dirty="0"/>
           </a:p>
           <a:p>
             <a:pPr lvl="0"/>
             <a:r>
-              <a:rPr lang="cs-CZ" sz="2400" dirty="0"/>
+              <a:rPr lang="cs-CZ" dirty="0"/>
               <a:t>d</a:t>
             </a:r>
             <a:r>
-              <a:rPr lang="en-GB" sz="2400" dirty="0" err="1" smtClean="0"/>
+              <a:rPr lang="en-GB" dirty="0" err="1" smtClean="0"/>
               <a:t>efine</a:t>
             </a:r>
             <a:r>
-              <a:rPr lang="en-GB" sz="2400" dirty="0" smtClean="0"/>
+              <a:rPr lang="en-GB" dirty="0" smtClean="0"/>
               <a:t> </a:t>
             </a:r>
             <a:r>
-              <a:rPr lang="en-GB" sz="2400" dirty="0"/>
+              <a:rPr lang="en-GB" dirty="0"/>
               <a:t>records that </a:t>
             </a:r>
             <a:r>
-              <a:rPr lang="cs-CZ" sz="2400" dirty="0" smtClean="0"/>
+              <a:rPr lang="cs-CZ" dirty="0" smtClean="0"/>
               <a:t>describe and </a:t>
             </a:r>
             <a:r>
-              <a:rPr lang="en-GB" sz="2400" dirty="0" smtClean="0"/>
+              <a:rPr lang="en-GB" dirty="0" smtClean="0"/>
               <a:t>identify </a:t>
             </a:r>
             <a:r>
-              <a:rPr lang="en-GB" sz="2400" dirty="0"/>
+              <a:rPr lang="en-GB" dirty="0"/>
               <a:t>very specific variants of formats;</a:t>
             </a:r>
-            <a:endParaRPr lang="en-NZ" sz="2400" dirty="0"/>
+            <a:endParaRPr lang="en-NZ" dirty="0"/>
           </a:p>
           <a:p>
             <a:pPr lvl="0"/>
             <a:r>
-              <a:rPr lang="cs-CZ" sz="2400" dirty="0"/>
+              <a:rPr lang="cs-CZ" dirty="0"/>
               <a:t>h</a:t>
             </a:r>
             <a:r>
-              <a:rPr lang="en-GB" sz="2400" dirty="0" err="1" smtClean="0"/>
+              <a:rPr lang="en-GB" dirty="0" err="1" smtClean="0"/>
               <a:t>ave</a:t>
             </a:r>
             <a:r>
-              <a:rPr lang="en-GB" sz="2400" dirty="0" smtClean="0"/>
+              <a:rPr lang="en-GB" dirty="0" smtClean="0"/>
               <a:t> </a:t>
             </a:r>
             <a:r>
-              <a:rPr lang="en-GB" sz="2400" dirty="0"/>
+              <a:rPr lang="en-GB" dirty="0"/>
               <a:t>a full audit trail of change for </a:t>
             </a:r>
             <a:r>
-              <a:rPr lang="en-GB" sz="2400" dirty="0" smtClean="0"/>
+              <a:rPr lang="en-GB" dirty="0" smtClean="0"/>
               <a:t>records</a:t>
             </a:r>
             <a:r>
-              <a:rPr lang="cs-CZ" sz="2400" dirty="0" smtClean="0"/>
+              <a:rPr lang="cs-CZ" dirty="0" smtClean="0"/>
               <a:t>;</a:t>
             </a:r>
           </a:p>
           <a:p>
             <a:pPr lvl="0"/>
             <a:r>
-              <a:rPr lang="cs-CZ" sz="2400" dirty="0"/>
+              <a:rPr lang="cs-CZ" dirty="0"/>
               <a:t>a</a:t>
             </a:r>
             <a:r>
-              <a:rPr lang="cs-CZ" sz="2400" dirty="0" smtClean="0"/>
+              <a:rPr lang="cs-CZ" dirty="0" smtClean="0"/>
               <a:t>bility to build profile for an institution;</a:t>
             </a:r>
           </a:p>
           <a:p>
             <a:pPr lvl="0"/>
             <a:r>
-              <a:rPr lang="cs-CZ" sz="2400" dirty="0"/>
+              <a:rPr lang="cs-CZ" dirty="0"/>
               <a:t>o</a:t>
             </a:r>
             <a:r>
-              <a:rPr lang="cs-CZ" sz="2400" dirty="0" smtClean="0"/>
+              <a:rPr lang="cs-CZ" dirty="0" smtClean="0"/>
               <a:t>pen</a:t>
             </a:r>
             <a:r>
-              <a:rPr lang="cs-CZ" sz="2400" dirty="0"/>
+              <a:rPr lang="cs-CZ" dirty="0"/>
               <a:t>, trusted and cooperative </a:t>
             </a:r>
             <a:r>
-              <a:rPr lang="cs-CZ" sz="2400" dirty="0" smtClean="0"/>
+              <a:rPr lang="cs-CZ" dirty="0" smtClean="0"/>
               <a:t>environment.</a:t>
             </a:r>
-            <a:endParaRPr lang="cs-CZ" sz="2400" dirty="0"/>
+            <a:endParaRPr lang="cs-CZ" dirty="0"/>
           </a:p>
           <a:p>
             <a:pPr marL="0" lvl="0" indent="0">
               <a:buNone/>
             </a:pPr>
-            <a:endParaRPr lang="en-NZ" sz="1800" dirty="0"/>
+            <a:endParaRPr lang="en-NZ" dirty="0"/>
           </a:p>
         </p:txBody>
       </p:sp>
@@ -38224,8 +38372,37 @@
             </a:r>
             <a:r>
               <a:rPr lang="cs-CZ" dirty="0" smtClean="0"/>
-              <a:t>, TRiD, MediaPedia, internal registries of NLA, NARA, UNIX file</a:t>
-            </a:r>
+              <a:t>, TRiD, </a:t>
+            </a:r>
+            <a:r>
+              <a:rPr lang="cs-CZ" dirty="0"/>
+              <a:t>UNIX </a:t>
+            </a:r>
+            <a:r>
+              <a:rPr lang="cs-CZ" dirty="0" smtClean="0"/>
+              <a:t>file</a:t>
+            </a:r>
+            <a:r>
+              <a:rPr lang="en-NZ" dirty="0" smtClean="0"/>
+              <a:t>,</a:t>
+            </a:r>
+            <a:r>
+              <a:rPr lang="cs-CZ" dirty="0" smtClean="0"/>
+              <a:t> </a:t>
+            </a:r>
+            <a:r>
+              <a:rPr lang="cs-CZ" dirty="0"/>
+              <a:t>MediaPedia</a:t>
+            </a:r>
+            <a:r>
+              <a:rPr lang="cs-CZ" dirty="0" smtClean="0"/>
+              <a:t>, internal registries of NLA, </a:t>
+            </a:r>
+            <a:r>
+              <a:rPr lang="cs-CZ" dirty="0" smtClean="0"/>
+              <a:t>NARA</a:t>
+            </a:r>
+            <a:endParaRPr lang="cs-CZ" dirty="0" smtClean="0"/>
           </a:p>
           <a:p>
             <a:r>
